--- a/Learning Phase/Week 5/Day 2/1. ReactJS/Slides/6. Augmenting Features and Tooling/augmenting-features-and-tooling-slides.pptx
+++ b/Learning Phase/Week 5/Day 2/1. ReactJS/Slides/6. Augmenting Features and Tooling/augmenting-features-and-tooling-slides.pptx
@@ -5,24 +5,24 @@
     <p:sldMasterId id="2147483648" r:id="rId1"/>
   </p:sldMasterIdLst>
   <p:notesMasterIdLst>
-    <p:notesMasterId r:id="rId18"/>
+    <p:notesMasterId r:id="rId17"/>
   </p:notesMasterIdLst>
   <p:sldIdLst>
-    <p:sldId id="256" r:id="rId3"/>
-    <p:sldId id="257" r:id="rId4"/>
-    <p:sldId id="258" r:id="rId5"/>
-    <p:sldId id="259" r:id="rId6"/>
-    <p:sldId id="260" r:id="rId7"/>
-    <p:sldId id="261" r:id="rId8"/>
-    <p:sldId id="262" r:id="rId9"/>
-    <p:sldId id="263" r:id="rId10"/>
-    <p:sldId id="265" r:id="rId11"/>
-    <p:sldId id="267" r:id="rId12"/>
-    <p:sldId id="268" r:id="rId13"/>
-    <p:sldId id="269" r:id="rId14"/>
-    <p:sldId id="271" r:id="rId15"/>
-    <p:sldId id="275" r:id="rId16"/>
-    <p:sldId id="272" r:id="rId17"/>
+    <p:sldId id="256" r:id="rId2"/>
+    <p:sldId id="257" r:id="rId3"/>
+    <p:sldId id="258" r:id="rId4"/>
+    <p:sldId id="259" r:id="rId5"/>
+    <p:sldId id="260" r:id="rId6"/>
+    <p:sldId id="261" r:id="rId7"/>
+    <p:sldId id="262" r:id="rId8"/>
+    <p:sldId id="263" r:id="rId9"/>
+    <p:sldId id="265" r:id="rId10"/>
+    <p:sldId id="267" r:id="rId11"/>
+    <p:sldId id="268" r:id="rId12"/>
+    <p:sldId id="269" r:id="rId13"/>
+    <p:sldId id="271" r:id="rId14"/>
+    <p:sldId id="275" r:id="rId15"/>
+    <p:sldId id="272" r:id="rId16"/>
   </p:sldIdLst>
   <p:sldSz cx="18288000" cy="10287000"/>
   <p:notesSz cx="18288000" cy="10287000"/>
@@ -118,6 +118,22 @@
       </a:defRPr>
     </a:lvl9pPr>
   </p:defaultTextStyle>
+  <p:extLst>
+    <p:ext uri="{EFAFB233-063F-42B5-8137-9DF3F51BA10A}">
+      <p15:sldGuideLst xmlns:p15="http://schemas.microsoft.com/office/powerpoint/2012/main">
+        <p15:guide id="1" orient="horz" pos="2880">
+          <p15:clr>
+            <a:srgbClr val="A4A3A4"/>
+          </p15:clr>
+        </p15:guide>
+        <p15:guide id="2" pos="2189">
+          <p15:clr>
+            <a:srgbClr val="A4A3A4"/>
+          </p15:clr>
+        </p15:guide>
+      </p15:sldGuideLst>
+    </p:ext>
+  </p:extLst>
 </p:presentation>
 </file>
 
@@ -203,6 +219,7 @@
           <a:p>
             <a:fld id="{3EFD42F7-718C-4B98-AAEC-167E6DDD60A7}" type="datetimeFigureOut">
               <a:rPr lang="en-US" smtClean="0"/>
+              <a:t>11/16/2023</a:t>
             </a:fld>
             <a:endParaRPr lang="en-US"/>
           </a:p>
@@ -266,42 +283,37 @@
           <a:p>
             <a:pPr lvl="0"/>
             <a:r>
-              <a:rPr lang="en-US" smtClean="0"/>
+              <a:rPr lang="en-US"/>
               <a:t>Click to edit Master text styles</a:t>
             </a:r>
-            <a:endParaRPr lang="en-US" smtClean="0"/>
           </a:p>
           <a:p>
             <a:pPr lvl="1"/>
             <a:r>
-              <a:rPr lang="en-US" smtClean="0"/>
+              <a:rPr lang="en-US"/>
               <a:t>Second level</a:t>
             </a:r>
-            <a:endParaRPr lang="en-US" smtClean="0"/>
           </a:p>
           <a:p>
             <a:pPr lvl="2"/>
             <a:r>
-              <a:rPr lang="en-US" smtClean="0"/>
+              <a:rPr lang="en-US"/>
               <a:t>Third level</a:t>
             </a:r>
-            <a:endParaRPr lang="en-US" smtClean="0"/>
           </a:p>
           <a:p>
             <a:pPr lvl="3"/>
             <a:r>
-              <a:rPr lang="en-US" smtClean="0"/>
+              <a:rPr lang="en-US"/>
               <a:t>Fourth level</a:t>
             </a:r>
-            <a:endParaRPr lang="en-US" smtClean="0"/>
           </a:p>
           <a:p>
             <a:pPr lvl="4"/>
             <a:r>
-              <a:rPr lang="en-US" smtClean="0"/>
+              <a:rPr lang="en-US"/>
               <a:t>Fifth level</a:t>
             </a:r>
-            <a:endParaRPr lang="en-US"/>
           </a:p>
         </p:txBody>
       </p:sp>
@@ -365,6 +377,7 @@
           <a:p>
             <a:fld id="{21B2AA4F-B828-4D7C-AFD3-893933DAFCB4}" type="slidenum">
               <a:rPr lang="en-US" smtClean="0"/>
+              <a:t>‹#›</a:t>
             </a:fld>
             <a:endParaRPr lang="en-US"/>
           </a:p>
@@ -468,8 +481,92 @@
 </p:notesMaster>
 </file>
 
+<file path=ppt/notesSlides/notesSlide1.xml><?xml version="1.0" encoding="utf-8"?>
+<p:notes xmlns:a="http://schemas.openxmlformats.org/drawingml/2006/main" xmlns:r="http://schemas.openxmlformats.org/officeDocument/2006/relationships" xmlns:p="http://schemas.openxmlformats.org/presentationml/2006/main">
+  <p:cSld>
+    <p:spTree>
+      <p:nvGrpSpPr>
+        <p:cNvPr id="1" name=""/>
+        <p:cNvGrpSpPr/>
+        <p:nvPr/>
+      </p:nvGrpSpPr>
+      <p:grpSpPr>
+        <a:xfrm>
+          <a:off x="0" y="0"/>
+          <a:ext cx="0" cy="0"/>
+          <a:chOff x="0" y="0"/>
+          <a:chExt cx="0" cy="0"/>
+        </a:xfrm>
+      </p:grpSpPr>
+      <p:sp>
+        <p:nvSpPr>
+          <p:cNvPr id="2" name="Slide Image Placeholder 1"/>
+          <p:cNvSpPr>
+            <a:spLocks noGrp="1" noRot="1" noChangeAspect="1"/>
+          </p:cNvSpPr>
+          <p:nvPr>
+            <p:ph type="sldImg"/>
+          </p:nvPr>
+        </p:nvSpPr>
+        <p:spPr/>
+      </p:sp>
+      <p:sp>
+        <p:nvSpPr>
+          <p:cNvPr id="3" name="Notes Placeholder 2"/>
+          <p:cNvSpPr>
+            <a:spLocks noGrp="1"/>
+          </p:cNvSpPr>
+          <p:nvPr>
+            <p:ph type="body" idx="1"/>
+          </p:nvPr>
+        </p:nvSpPr>
+        <p:spPr/>
+        <p:txBody>
+          <a:bodyPr/>
+          <a:lstStyle/>
+          <a:p>
+            <a:endParaRPr lang="en-US" dirty="0"/>
+          </a:p>
+        </p:txBody>
+      </p:sp>
+      <p:sp>
+        <p:nvSpPr>
+          <p:cNvPr id="4" name="Slide Number Placeholder 3"/>
+          <p:cNvSpPr>
+            <a:spLocks noGrp="1"/>
+          </p:cNvSpPr>
+          <p:nvPr>
+            <p:ph type="sldNum" sz="quarter" idx="5"/>
+          </p:nvPr>
+        </p:nvSpPr>
+        <p:spPr/>
+        <p:txBody>
+          <a:bodyPr/>
+          <a:lstStyle/>
+          <a:p>
+            <a:fld id="{21B2AA4F-B828-4D7C-AFD3-893933DAFCB4}" type="slidenum">
+              <a:rPr lang="en-US" smtClean="0"/>
+              <a:t>6</a:t>
+            </a:fld>
+            <a:endParaRPr lang="en-US"/>
+          </a:p>
+        </p:txBody>
+      </p:sp>
+    </p:spTree>
+    <p:extLst>
+      <p:ext uri="{BB962C8B-B14F-4D97-AF65-F5344CB8AC3E}">
+        <p14:creationId xmlns:p14="http://schemas.microsoft.com/office/powerpoint/2010/main" val="3162195550"/>
+      </p:ext>
+    </p:extLst>
+  </p:cSld>
+  <p:clrMapOvr>
+    <a:masterClrMapping/>
+  </p:clrMapOvr>
+</p:notes>
+</file>
+
 <file path=ppt/slideLayouts/slideLayout1.xml><?xml version="1.0" encoding="utf-8"?>
-<p:sldLayout xmlns:a="http://schemas.openxmlformats.org/drawingml/2006/main" xmlns:r="http://schemas.openxmlformats.org/officeDocument/2006/relationships" xmlns:p="http://schemas.openxmlformats.org/presentationml/2006/main" type="obj" preserve="1" showMasterSp="0">
+<p:sldLayout xmlns:a="http://schemas.openxmlformats.org/drawingml/2006/main" xmlns:r="http://schemas.openxmlformats.org/officeDocument/2006/relationships" xmlns:p="http://schemas.openxmlformats.org/presentationml/2006/main" showMasterSp="0" type="obj" preserve="1">
   <p:cSld name="Title Slide">
     <p:bg>
       <p:bgPr>
@@ -530,7 +627,9 @@
         <p:txBody>
           <a:bodyPr wrap="square" lIns="0" tIns="0" rIns="0" bIns="0" rtlCol="0"/>
           <a:lstStyle/>
-          <a:p/>
+          <a:p>
+            <a:endParaRPr/>
+          </a:p>
         </p:txBody>
       </p:sp>
       <p:sp>
@@ -567,7 +666,9 @@
               </a:defRPr>
             </a:lvl1pPr>
           </a:lstStyle>
-          <a:p/>
+          <a:p>
+            <a:endParaRPr/>
+          </a:p>
         </p:txBody>
       </p:sp>
       <p:sp>
@@ -598,7 +699,9 @@
               <a:defRPr/>
             </a:lvl1pPr>
           </a:lstStyle>
-          <a:p/>
+          <a:p>
+            <a:endParaRPr/>
+          </a:p>
         </p:txBody>
       </p:sp>
       <p:sp>
@@ -625,7 +728,9 @@
               </a:defRPr>
             </a:lvl1pPr>
           </a:lstStyle>
-          <a:p/>
+          <a:p>
+            <a:endParaRPr/>
+          </a:p>
         </p:txBody>
       </p:sp>
       <p:sp>
@@ -655,6 +760,7 @@
           <a:p>
             <a:fld id="{1D8BD707-D9CF-40AE-B4C6-C98DA3205C09}" type="datetimeFigureOut">
               <a:rPr lang="en-US"/>
+              <a:t>11/16/2023</a:t>
             </a:fld>
             <a:endParaRPr lang="en-US"/>
           </a:p>
@@ -687,6 +793,7 @@
           <a:p>
             <a:fld id="{B6F15528-21DE-4FAA-801E-634DDDAF4B2B}" type="slidenum">
               <a:rPr/>
+              <a:t>‹#›</a:t>
             </a:fld>
             <a:endParaRPr/>
           </a:p>
@@ -742,7 +849,9 @@
               </a:defRPr>
             </a:lvl1pPr>
           </a:lstStyle>
-          <a:p/>
+          <a:p>
+            <a:endParaRPr/>
+          </a:p>
         </p:txBody>
       </p:sp>
       <p:sp>
@@ -769,7 +878,9 @@
               </a:defRPr>
             </a:lvl1pPr>
           </a:lstStyle>
-          <a:p/>
+          <a:p>
+            <a:endParaRPr/>
+          </a:p>
         </p:txBody>
       </p:sp>
       <p:sp>
@@ -796,7 +907,9 @@
               </a:defRPr>
             </a:lvl1pPr>
           </a:lstStyle>
-          <a:p/>
+          <a:p>
+            <a:endParaRPr/>
+          </a:p>
         </p:txBody>
       </p:sp>
       <p:sp>
@@ -826,6 +939,7 @@
           <a:p>
             <a:fld id="{1D8BD707-D9CF-40AE-B4C6-C98DA3205C09}" type="datetimeFigureOut">
               <a:rPr lang="en-US"/>
+              <a:t>11/16/2023</a:t>
             </a:fld>
             <a:endParaRPr lang="en-US"/>
           </a:p>
@@ -858,6 +972,7 @@
           <a:p>
             <a:fld id="{B6F15528-21DE-4FAA-801E-634DDDAF4B2B}" type="slidenum">
               <a:rPr/>
+              <a:t>‹#›</a:t>
             </a:fld>
             <a:endParaRPr/>
           </a:p>
@@ -873,7 +988,7 @@
 </file>
 
 <file path=ppt/slideLayouts/slideLayout3.xml><?xml version="1.0" encoding="utf-8"?>
-<p:sldLayout xmlns:a="http://schemas.openxmlformats.org/drawingml/2006/main" xmlns:r="http://schemas.openxmlformats.org/officeDocument/2006/relationships" xmlns:p="http://schemas.openxmlformats.org/presentationml/2006/main" type="obj" preserve="1" showMasterSp="0">
+<p:sldLayout xmlns:a="http://schemas.openxmlformats.org/drawingml/2006/main" xmlns:r="http://schemas.openxmlformats.org/officeDocument/2006/relationships" xmlns:p="http://schemas.openxmlformats.org/presentationml/2006/main" showMasterSp="0" type="obj" preserve="1">
   <p:cSld name="Two Content">
     <p:bg>
       <p:bgPr>
@@ -934,7 +1049,9 @@
         <p:txBody>
           <a:bodyPr wrap="square" lIns="0" tIns="0" rIns="0" bIns="0" rtlCol="0"/>
           <a:lstStyle/>
-          <a:p/>
+          <a:p>
+            <a:endParaRPr/>
+          </a:p>
         </p:txBody>
       </p:sp>
       <p:sp>
@@ -961,7 +1078,9 @@
               </a:defRPr>
             </a:lvl1pPr>
           </a:lstStyle>
-          <a:p/>
+          <a:p>
+            <a:endParaRPr/>
+          </a:p>
         </p:txBody>
       </p:sp>
       <p:sp>
@@ -992,7 +1111,9 @@
               <a:defRPr/>
             </a:lvl1pPr>
           </a:lstStyle>
-          <a:p/>
+          <a:p>
+            <a:endParaRPr/>
+          </a:p>
         </p:txBody>
       </p:sp>
       <p:sp>
@@ -1023,7 +1144,9 @@
               <a:defRPr/>
             </a:lvl1pPr>
           </a:lstStyle>
-          <a:p/>
+          <a:p>
+            <a:endParaRPr/>
+          </a:p>
         </p:txBody>
       </p:sp>
       <p:sp>
@@ -1050,7 +1173,9 @@
               </a:defRPr>
             </a:lvl1pPr>
           </a:lstStyle>
-          <a:p/>
+          <a:p>
+            <a:endParaRPr/>
+          </a:p>
         </p:txBody>
       </p:sp>
       <p:sp>
@@ -1080,6 +1205,7 @@
           <a:p>
             <a:fld id="{1D8BD707-D9CF-40AE-B4C6-C98DA3205C09}" type="datetimeFigureOut">
               <a:rPr lang="en-US"/>
+              <a:t>11/16/2023</a:t>
             </a:fld>
             <a:endParaRPr lang="en-US"/>
           </a:p>
@@ -1112,6 +1238,7 @@
           <a:p>
             <a:fld id="{B6F15528-21DE-4FAA-801E-634DDDAF4B2B}" type="slidenum">
               <a:rPr/>
+              <a:t>‹#›</a:t>
             </a:fld>
             <a:endParaRPr/>
           </a:p>
@@ -1127,7 +1254,7 @@
 </file>
 
 <file path=ppt/slideLayouts/slideLayout4.xml><?xml version="1.0" encoding="utf-8"?>
-<p:sldLayout xmlns:a="http://schemas.openxmlformats.org/drawingml/2006/main" xmlns:r="http://schemas.openxmlformats.org/officeDocument/2006/relationships" xmlns:p="http://schemas.openxmlformats.org/presentationml/2006/main" type="obj" preserve="1" showMasterSp="0">
+<p:sldLayout xmlns:a="http://schemas.openxmlformats.org/drawingml/2006/main" xmlns:r="http://schemas.openxmlformats.org/officeDocument/2006/relationships" xmlns:p="http://schemas.openxmlformats.org/presentationml/2006/main" showMasterSp="0" type="obj" preserve="1">
   <p:cSld name="Title Only">
     <p:bg>
       <p:bgPr>
@@ -1196,7 +1323,9 @@
         <p:txBody>
           <a:bodyPr wrap="square" lIns="0" tIns="0" rIns="0" bIns="0" rtlCol="0"/>
           <a:lstStyle/>
-          <a:p/>
+          <a:p>
+            <a:endParaRPr/>
+          </a:p>
         </p:txBody>
       </p:sp>
       <p:sp>
@@ -1223,7 +1352,9 @@
               </a:defRPr>
             </a:lvl1pPr>
           </a:lstStyle>
-          <a:p/>
+          <a:p>
+            <a:endParaRPr/>
+          </a:p>
         </p:txBody>
       </p:sp>
       <p:sp>
@@ -1250,7 +1381,9 @@
               </a:defRPr>
             </a:lvl1pPr>
           </a:lstStyle>
-          <a:p/>
+          <a:p>
+            <a:endParaRPr/>
+          </a:p>
         </p:txBody>
       </p:sp>
       <p:sp>
@@ -1280,6 +1413,7 @@
           <a:p>
             <a:fld id="{1D8BD707-D9CF-40AE-B4C6-C98DA3205C09}" type="datetimeFigureOut">
               <a:rPr lang="en-US"/>
+              <a:t>11/16/2023</a:t>
             </a:fld>
             <a:endParaRPr lang="en-US"/>
           </a:p>
@@ -1312,6 +1446,7 @@
           <a:p>
             <a:fld id="{B6F15528-21DE-4FAA-801E-634DDDAF4B2B}" type="slidenum">
               <a:rPr/>
+              <a:t>‹#›</a:t>
             </a:fld>
             <a:endParaRPr/>
           </a:p>
@@ -1367,7 +1502,9 @@
               </a:defRPr>
             </a:lvl1pPr>
           </a:lstStyle>
-          <a:p/>
+          <a:p>
+            <a:endParaRPr/>
+          </a:p>
         </p:txBody>
       </p:sp>
       <p:sp>
@@ -1397,6 +1534,7 @@
           <a:p>
             <a:fld id="{1D8BD707-D9CF-40AE-B4C6-C98DA3205C09}" type="datetimeFigureOut">
               <a:rPr lang="en-US"/>
+              <a:t>11/16/2023</a:t>
             </a:fld>
             <a:endParaRPr lang="en-US"/>
           </a:p>
@@ -1429,6 +1567,7 @@
           <a:p>
             <a:fld id="{B6F15528-21DE-4FAA-801E-634DDDAF4B2B}" type="slidenum">
               <a:rPr/>
+              <a:t>‹#›</a:t>
             </a:fld>
             <a:endParaRPr/>
           </a:p>
@@ -1502,7 +1641,9 @@
               </a:defRPr>
             </a:lvl1pPr>
           </a:lstStyle>
-          <a:p/>
+          <a:p>
+            <a:endParaRPr/>
+          </a:p>
         </p:txBody>
       </p:sp>
       <p:sp>
@@ -1539,7 +1680,9 @@
               </a:defRPr>
             </a:lvl1pPr>
           </a:lstStyle>
-          <a:p/>
+          <a:p>
+            <a:endParaRPr/>
+          </a:p>
         </p:txBody>
       </p:sp>
       <p:sp>
@@ -1576,7 +1719,9 @@
               </a:defRPr>
             </a:lvl1pPr>
           </a:lstStyle>
-          <a:p/>
+          <a:p>
+            <a:endParaRPr/>
+          </a:p>
         </p:txBody>
       </p:sp>
       <p:sp>
@@ -1616,6 +1761,7 @@
           <a:p>
             <a:fld id="{1D8BD707-D9CF-40AE-B4C6-C98DA3205C09}" type="datetimeFigureOut">
               <a:rPr lang="en-US"/>
+              <a:t>11/16/2023</a:t>
             </a:fld>
             <a:endParaRPr lang="en-US"/>
           </a:p>
@@ -1658,6 +1804,7 @@
           <a:p>
             <a:fld id="{B6F15528-21DE-4FAA-801E-634DDDAF4B2B}" type="slidenum">
               <a:rPr/>
+              <a:t>‹#›</a:t>
             </a:fld>
             <a:endParaRPr/>
           </a:p>
@@ -1842,14 +1989,14 @@
           <p:nvPr/>
         </p:nvPicPr>
         <p:blipFill>
-          <a:blip r:embed="rId1" cstate="print"/>
+          <a:blip r:embed="rId2" cstate="print"/>
           <a:stretch>
             <a:fillRect/>
           </a:stretch>
         </p:blipFill>
         <p:spPr>
           <a:xfrm>
-            <a:off x="1092820" y="4510975"/>
+            <a:off x="675994" y="4245356"/>
             <a:ext cx="16066010" cy="57150"/>
           </a:xfrm>
           <a:prstGeom prst="rect">
@@ -1935,9 +2082,11 @@
         <p:spPr/>
         <p:txBody>
           <a:bodyPr/>
+          <a:lstStyle/>
           <a:p>
             <a:fld id="{B6F15528-21DE-4FAA-801E-634DDDAF4B2B}" type="slidenum">
               <a:rPr/>
+              <a:t>1</a:t>
             </a:fld>
             <a:endParaRPr/>
           </a:p>
@@ -2787,9 +2936,11 @@
         <p:spPr/>
         <p:txBody>
           <a:bodyPr/>
+          <a:lstStyle/>
           <a:p>
             <a:fld id="{B6F15528-21DE-4FAA-801E-634DDDAF4B2B}" type="slidenum">
               <a:rPr/>
+              <a:t>10</a:t>
             </a:fld>
             <a:endParaRPr/>
           </a:p>
@@ -2869,7 +3020,6 @@
               <a:rPr spc="45" dirty="0"/>
               <a:t>Application</a:t>
             </a:r>
-            <a:endParaRPr spc="45" dirty="0"/>
           </a:p>
         </p:txBody>
       </p:sp>
@@ -2918,7 +3068,9 @@
         <p:txBody>
           <a:bodyPr wrap="square" lIns="0" tIns="0" rIns="0" bIns="0" rtlCol="0"/>
           <a:lstStyle/>
-          <a:p/>
+          <a:p>
+            <a:endParaRPr/>
+          </a:p>
         </p:txBody>
       </p:sp>
       <p:sp>
@@ -3008,7 +3160,7 @@
             <p:nvPr/>
           </p:nvPicPr>
           <p:blipFill>
-            <a:blip r:embed="rId1" cstate="print"/>
+            <a:blip r:embed="rId2" cstate="print"/>
             <a:stretch>
               <a:fillRect/>
             </a:stretch>
@@ -3030,7 +3182,7 @@
             <p:nvPr/>
           </p:nvPicPr>
           <p:blipFill>
-            <a:blip r:embed="rId2" cstate="print"/>
+            <a:blip r:embed="rId3" cstate="print"/>
             <a:stretch>
               <a:fillRect/>
             </a:stretch>
@@ -3099,7 +3251,9 @@
           <p:txBody>
             <a:bodyPr wrap="square" lIns="0" tIns="0" rIns="0" bIns="0" rtlCol="0"/>
             <a:lstStyle/>
-            <a:p/>
+            <a:p>
+              <a:endParaRPr/>
+            </a:p>
           </p:txBody>
         </p:sp>
       </p:grpSp>
@@ -3116,9 +3270,11 @@
         <p:spPr/>
         <p:txBody>
           <a:bodyPr/>
+          <a:lstStyle/>
           <a:p>
             <a:fld id="{B6F15528-21DE-4FAA-801E-634DDDAF4B2B}" type="slidenum">
               <a:rPr/>
+              <a:t>11</a:t>
             </a:fld>
             <a:endParaRPr/>
           </a:p>
@@ -3198,7 +3354,6 @@
               <a:rPr spc="45" dirty="0"/>
               <a:t>Application</a:t>
             </a:r>
-            <a:endParaRPr spc="45" dirty="0"/>
           </a:p>
         </p:txBody>
       </p:sp>
@@ -3247,7 +3402,9 @@
         <p:txBody>
           <a:bodyPr wrap="square" lIns="0" tIns="0" rIns="0" bIns="0" rtlCol="0"/>
           <a:lstStyle/>
-          <a:p/>
+          <a:p>
+            <a:endParaRPr/>
+          </a:p>
         </p:txBody>
       </p:sp>
       <p:sp>
@@ -3345,7 +3502,7 @@
           <p:nvPr/>
         </p:nvPicPr>
         <p:blipFill>
-          <a:blip r:embed="rId1" cstate="print"/>
+          <a:blip r:embed="rId2" cstate="print"/>
           <a:stretch>
             <a:fillRect/>
           </a:stretch>
@@ -3367,7 +3524,7 @@
           <p:nvPr/>
         </p:nvPicPr>
         <p:blipFill>
-          <a:blip r:embed="rId2" cstate="print"/>
+          <a:blip r:embed="rId3" cstate="print"/>
           <a:stretch>
             <a:fillRect/>
           </a:stretch>
@@ -3395,9 +3552,11 @@
         <p:spPr/>
         <p:txBody>
           <a:bodyPr/>
+          <a:lstStyle/>
           <a:p>
             <a:fld id="{B6F15528-21DE-4FAA-801E-634DDDAF4B2B}" type="slidenum">
               <a:rPr/>
+              <a:t>12</a:t>
             </a:fld>
             <a:endParaRPr/>
           </a:p>
@@ -3502,9 +3661,11 @@
         <p:spPr/>
         <p:txBody>
           <a:bodyPr/>
+          <a:lstStyle/>
           <a:p>
             <a:fld id="{B6F15528-21DE-4FAA-801E-634DDDAF4B2B}" type="slidenum">
               <a:rPr/>
+              <a:t>13</a:t>
             </a:fld>
             <a:endParaRPr/>
           </a:p>
@@ -3876,7 +4037,6 @@
               <a:rPr spc="-10" dirty="0"/>
               <a:t>devices</a:t>
             </a:r>
-            <a:endParaRPr spc="-10" dirty="0"/>
           </a:p>
           <a:p>
             <a:pPr marL="5641340">
@@ -3907,7 +4067,6 @@
               <a:rPr spc="-50" dirty="0"/>
               <a:t>work</a:t>
             </a:r>
-            <a:endParaRPr spc="-50" dirty="0"/>
           </a:p>
         </p:txBody>
       </p:sp>
@@ -4050,9 +4209,11 @@
         <p:spPr/>
         <p:txBody>
           <a:bodyPr/>
+          <a:lstStyle/>
           <a:p>
             <a:fld id="{B6F15528-21DE-4FAA-801E-634DDDAF4B2B}" type="slidenum">
               <a:rPr/>
+              <a:t>14</a:t>
             </a:fld>
             <a:endParaRPr/>
           </a:p>
@@ -4090,7 +4251,7 @@
           <p:nvPr/>
         </p:nvPicPr>
         <p:blipFill>
-          <a:blip r:embed="rId1" cstate="print"/>
+          <a:blip r:embed="rId2" cstate="print"/>
           <a:stretch>
             <a:fillRect/>
           </a:stretch>
@@ -4422,13 +4583,6 @@
               </a:rPr>
               <a:t> </a:t>
             </a:r>
-            <a:endParaRPr sz="3600" b="1" spc="-985" dirty="0">
-              <a:solidFill>
-                <a:srgbClr val="F15B2A"/>
-              </a:solidFill>
-              <a:latin typeface="Arial" panose="020B0604020202020204"/>
-              <a:cs typeface="Arial" panose="020B0604020202020204"/>
-            </a:endParaRPr>
           </a:p>
           <a:p>
             <a:pPr marL="12700" marR="5080">
@@ -4449,13 +4603,6 @@
               </a:rPr>
               <a:t>PWA</a:t>
             </a:r>
-            <a:endParaRPr sz="3600" b="1" spc="-165" dirty="0">
-              <a:solidFill>
-                <a:srgbClr val="F15B2A"/>
-              </a:solidFill>
-              <a:latin typeface="Arial" panose="020B0604020202020204"/>
-              <a:cs typeface="Arial" panose="020B0604020202020204"/>
-            </a:endParaRPr>
           </a:p>
           <a:p>
             <a:pPr marL="12700" marR="5080" algn="l">
@@ -4578,9 +4725,11 @@
         <p:spPr/>
         <p:txBody>
           <a:bodyPr/>
+          <a:lstStyle/>
           <a:p>
             <a:fld id="{B6F15528-21DE-4FAA-801E-634DDDAF4B2B}" type="slidenum">
               <a:rPr/>
+              <a:t>15</a:t>
             </a:fld>
             <a:endParaRPr/>
           </a:p>
@@ -4618,7 +4767,7 @@
           <p:nvPr/>
         </p:nvPicPr>
         <p:blipFill>
-          <a:blip r:embed="rId1" cstate="print"/>
+          <a:blip r:embed="rId2" cstate="print"/>
           <a:stretch>
             <a:fillRect/>
           </a:stretch>
@@ -5134,9 +5283,11 @@
         <p:spPr/>
         <p:txBody>
           <a:bodyPr/>
+          <a:lstStyle/>
           <a:p>
             <a:fld id="{B6F15528-21DE-4FAA-801E-634DDDAF4B2B}" type="slidenum">
               <a:rPr/>
+              <a:t>2</a:t>
             </a:fld>
             <a:endParaRPr/>
           </a:p>
@@ -5305,9 +5456,11 @@
         <p:spPr/>
         <p:txBody>
           <a:bodyPr/>
+          <a:lstStyle/>
           <a:p>
             <a:fld id="{B6F15528-21DE-4FAA-801E-634DDDAF4B2B}" type="slidenum">
               <a:rPr/>
+              <a:t>3</a:t>
             </a:fld>
             <a:endParaRPr/>
           </a:p>
@@ -5395,7 +5548,6 @@
               <a:rPr spc="-55" dirty="0"/>
               <a:t>Props</a:t>
             </a:r>
-            <a:endParaRPr spc="-55" dirty="0"/>
           </a:p>
         </p:txBody>
       </p:sp>
@@ -5450,7 +5602,9 @@
           <p:txBody>
             <a:bodyPr wrap="square" lIns="0" tIns="0" rIns="0" bIns="0" rtlCol="0"/>
             <a:lstStyle/>
-            <a:p/>
+            <a:p>
+              <a:endParaRPr/>
+            </a:p>
           </p:txBody>
         </p:sp>
         <p:sp>
@@ -5498,7 +5652,9 @@
           <p:txBody>
             <a:bodyPr wrap="square" lIns="0" tIns="0" rIns="0" bIns="0" rtlCol="0"/>
             <a:lstStyle/>
-            <a:p/>
+            <a:p>
+              <a:endParaRPr/>
+            </a:p>
           </p:txBody>
         </p:sp>
         <p:sp>
@@ -5548,7 +5704,9 @@
           <p:txBody>
             <a:bodyPr wrap="square" lIns="0" tIns="0" rIns="0" bIns="0" rtlCol="0"/>
             <a:lstStyle/>
-            <a:p/>
+            <a:p>
+              <a:endParaRPr/>
+            </a:p>
           </p:txBody>
         </p:sp>
       </p:grpSp>
@@ -5772,7 +5930,9 @@
           <p:txBody>
             <a:bodyPr wrap="square" lIns="0" tIns="0" rIns="0" bIns="0" rtlCol="0"/>
             <a:lstStyle/>
-            <a:p/>
+            <a:p>
+              <a:endParaRPr/>
+            </a:p>
           </p:txBody>
         </p:sp>
         <p:sp>
@@ -5822,7 +5982,9 @@
           <p:txBody>
             <a:bodyPr wrap="square" lIns="0" tIns="0" rIns="0" bIns="0" rtlCol="0"/>
             <a:lstStyle/>
-            <a:p/>
+            <a:p>
+              <a:endParaRPr/>
+            </a:p>
           </p:txBody>
         </p:sp>
       </p:grpSp>
@@ -6061,7 +6223,9 @@
         <p:txBody>
           <a:bodyPr wrap="square" lIns="0" tIns="0" rIns="0" bIns="0" rtlCol="0"/>
           <a:lstStyle/>
-          <a:p/>
+          <a:p>
+            <a:endParaRPr/>
+          </a:p>
         </p:txBody>
       </p:sp>
       <p:sp>
@@ -6153,9 +6317,11 @@
         <p:spPr/>
         <p:txBody>
           <a:bodyPr/>
+          <a:lstStyle/>
           <a:p>
             <a:fld id="{B6F15528-21DE-4FAA-801E-634DDDAF4B2B}" type="slidenum">
               <a:rPr/>
+              <a:t>4</a:t>
             </a:fld>
             <a:endParaRPr/>
           </a:p>
@@ -6247,7 +6413,6 @@
               <a:rPr spc="-55" dirty="0"/>
               <a:t>Props</a:t>
             </a:r>
-            <a:endParaRPr spc="-55" dirty="0"/>
           </a:p>
         </p:txBody>
       </p:sp>
@@ -6302,7 +6467,9 @@
           <p:txBody>
             <a:bodyPr wrap="square" lIns="0" tIns="0" rIns="0" bIns="0" rtlCol="0"/>
             <a:lstStyle/>
-            <a:p/>
+            <a:p>
+              <a:endParaRPr/>
+            </a:p>
           </p:txBody>
         </p:sp>
         <p:sp>
@@ -6350,7 +6517,9 @@
           <p:txBody>
             <a:bodyPr wrap="square" lIns="0" tIns="0" rIns="0" bIns="0" rtlCol="0"/>
             <a:lstStyle/>
-            <a:p/>
+            <a:p>
+              <a:endParaRPr/>
+            </a:p>
           </p:txBody>
         </p:sp>
         <p:sp>
@@ -6400,7 +6569,9 @@
           <p:txBody>
             <a:bodyPr wrap="square" lIns="0" tIns="0" rIns="0" bIns="0" rtlCol="0"/>
             <a:lstStyle/>
-            <a:p/>
+            <a:p>
+              <a:endParaRPr/>
+            </a:p>
           </p:txBody>
         </p:sp>
       </p:grpSp>
@@ -6621,7 +6792,9 @@
           <p:txBody>
             <a:bodyPr wrap="square" lIns="0" tIns="0" rIns="0" bIns="0" rtlCol="0"/>
             <a:lstStyle/>
-            <a:p/>
+            <a:p>
+              <a:endParaRPr/>
+            </a:p>
           </p:txBody>
         </p:sp>
         <p:sp>
@@ -6671,7 +6844,9 @@
           <p:txBody>
             <a:bodyPr wrap="square" lIns="0" tIns="0" rIns="0" bIns="0" rtlCol="0"/>
             <a:lstStyle/>
-            <a:p/>
+            <a:p>
+              <a:endParaRPr/>
+            </a:p>
           </p:txBody>
         </p:sp>
       </p:grpSp>
@@ -6919,7 +7094,9 @@
         <p:txBody>
           <a:bodyPr wrap="square" lIns="0" tIns="0" rIns="0" bIns="0" rtlCol="0"/>
           <a:lstStyle/>
-          <a:p/>
+          <a:p>
+            <a:endParaRPr/>
+          </a:p>
         </p:txBody>
       </p:sp>
       <p:sp>
@@ -6989,17 +7166,7 @@
                 <a:latin typeface="Arial" panose="020B0604020202020204"/>
                 <a:cs typeface="Arial" panose="020B0604020202020204"/>
               </a:rPr>
-              <a:t>b</a:t>
-            </a:r>
-            <a:r>
-              <a:rPr sz="2800" b="1" spc="15" dirty="0">
-                <a:solidFill>
-                  <a:srgbClr val="404040"/>
-                </a:solidFill>
-                <a:latin typeface="Arial" panose="020B0604020202020204"/>
-                <a:cs typeface="Arial" panose="020B0604020202020204"/>
-              </a:rPr>
-              <a:t>a</a:t>
+              <a:t>ba</a:t>
             </a:r>
             <a:r>
               <a:rPr sz="2800" b="1" spc="10" dirty="0">
@@ -7041,9 +7208,11 @@
         <p:spPr/>
         <p:txBody>
           <a:bodyPr/>
+          <a:lstStyle/>
           <a:p>
             <a:fld id="{B6F15528-21DE-4FAA-801E-634DDDAF4B2B}" type="slidenum">
               <a:rPr/>
+              <a:t>5</a:t>
             </a:fld>
             <a:endParaRPr/>
           </a:p>
@@ -7131,7 +7300,6 @@
               <a:rPr spc="110" dirty="0"/>
               <a:t>xt</a:t>
             </a:r>
-            <a:endParaRPr spc="110" dirty="0"/>
           </a:p>
         </p:txBody>
       </p:sp>
@@ -7189,7 +7357,9 @@
           <p:txBody>
             <a:bodyPr wrap="square" lIns="0" tIns="0" rIns="0" bIns="0" rtlCol="0"/>
             <a:lstStyle/>
-            <a:p/>
+            <a:p>
+              <a:endParaRPr/>
+            </a:p>
           </p:txBody>
         </p:sp>
         <p:sp>
@@ -7235,7 +7405,9 @@
           <p:txBody>
             <a:bodyPr wrap="square" lIns="0" tIns="0" rIns="0" bIns="0" rtlCol="0"/>
             <a:lstStyle/>
-            <a:p/>
+            <a:p>
+              <a:endParaRPr/>
+            </a:p>
           </p:txBody>
         </p:sp>
         <p:sp>
@@ -7275,7 +7447,9 @@
           <p:txBody>
             <a:bodyPr wrap="square" lIns="0" tIns="0" rIns="0" bIns="0" rtlCol="0"/>
             <a:lstStyle/>
-            <a:p/>
+            <a:p>
+              <a:endParaRPr/>
+            </a:p>
           </p:txBody>
         </p:sp>
         <p:sp>
@@ -7321,7 +7495,9 @@
           <p:txBody>
             <a:bodyPr wrap="square" lIns="0" tIns="0" rIns="0" bIns="0" rtlCol="0"/>
             <a:lstStyle/>
-            <a:p/>
+            <a:p>
+              <a:endParaRPr/>
+            </a:p>
           </p:txBody>
         </p:sp>
         <p:sp>
@@ -7369,7 +7545,9 @@
           <p:txBody>
             <a:bodyPr wrap="square" lIns="0" tIns="0" rIns="0" bIns="0" rtlCol="0"/>
             <a:lstStyle/>
-            <a:p/>
+            <a:p>
+              <a:endParaRPr/>
+            </a:p>
           </p:txBody>
         </p:sp>
         <p:sp>
@@ -7419,7 +7597,9 @@
           <p:txBody>
             <a:bodyPr wrap="square" lIns="0" tIns="0" rIns="0" bIns="0" rtlCol="0"/>
             <a:lstStyle/>
-            <a:p/>
+            <a:p>
+              <a:endParaRPr/>
+            </a:p>
           </p:txBody>
         </p:sp>
         <p:sp>
@@ -7462,7 +7642,9 @@
           <p:txBody>
             <a:bodyPr wrap="square" lIns="0" tIns="0" rIns="0" bIns="0" rtlCol="0"/>
             <a:lstStyle/>
-            <a:p/>
+            <a:p>
+              <a:endParaRPr/>
+            </a:p>
           </p:txBody>
         </p:sp>
         <p:sp>
@@ -7505,7 +7687,9 @@
           <p:txBody>
             <a:bodyPr wrap="square" lIns="0" tIns="0" rIns="0" bIns="0" rtlCol="0"/>
             <a:lstStyle/>
-            <a:p/>
+            <a:p>
+              <a:endParaRPr/>
+            </a:p>
           </p:txBody>
         </p:sp>
       </p:grpSp>
@@ -7614,7 +7798,9 @@
           <p:txBody>
             <a:bodyPr wrap="square" lIns="0" tIns="0" rIns="0" bIns="0" rtlCol="0"/>
             <a:lstStyle/>
-            <a:p/>
+            <a:p>
+              <a:endParaRPr/>
+            </a:p>
           </p:txBody>
         </p:sp>
         <p:sp>
@@ -7664,7 +7850,9 @@
           <p:txBody>
             <a:bodyPr wrap="square" lIns="0" tIns="0" rIns="0" bIns="0" rtlCol="0"/>
             <a:lstStyle/>
-            <a:p/>
+            <a:p>
+              <a:endParaRPr/>
+            </a:p>
           </p:txBody>
         </p:sp>
       </p:grpSp>
@@ -7773,7 +7961,9 @@
           <p:txBody>
             <a:bodyPr wrap="square" lIns="0" tIns="0" rIns="0" bIns="0" rtlCol="0"/>
             <a:lstStyle/>
-            <a:p/>
+            <a:p>
+              <a:endParaRPr/>
+            </a:p>
           </p:txBody>
         </p:sp>
         <p:sp>
@@ -7823,7 +8013,9 @@
           <p:txBody>
             <a:bodyPr wrap="square" lIns="0" tIns="0" rIns="0" bIns="0" rtlCol="0"/>
             <a:lstStyle/>
-            <a:p/>
+            <a:p>
+              <a:endParaRPr/>
+            </a:p>
           </p:txBody>
         </p:sp>
       </p:grpSp>
@@ -7932,7 +8124,9 @@
           <p:txBody>
             <a:bodyPr wrap="square" lIns="0" tIns="0" rIns="0" bIns="0" rtlCol="0"/>
             <a:lstStyle/>
-            <a:p/>
+            <a:p>
+              <a:endParaRPr/>
+            </a:p>
           </p:txBody>
         </p:sp>
         <p:sp>
@@ -7982,7 +8176,9 @@
           <p:txBody>
             <a:bodyPr wrap="square" lIns="0" tIns="0" rIns="0" bIns="0" rtlCol="0"/>
             <a:lstStyle/>
-            <a:p/>
+            <a:p>
+              <a:endParaRPr/>
+            </a:p>
           </p:txBody>
         </p:sp>
       </p:grpSp>
@@ -8091,7 +8287,9 @@
           <p:txBody>
             <a:bodyPr wrap="square" lIns="0" tIns="0" rIns="0" bIns="0" rtlCol="0"/>
             <a:lstStyle/>
-            <a:p/>
+            <a:p>
+              <a:endParaRPr/>
+            </a:p>
           </p:txBody>
         </p:sp>
         <p:sp>
@@ -8141,7 +8339,9 @@
           <p:txBody>
             <a:bodyPr wrap="square" lIns="0" tIns="0" rIns="0" bIns="0" rtlCol="0"/>
             <a:lstStyle/>
-            <a:p/>
+            <a:p>
+              <a:endParaRPr/>
+            </a:p>
           </p:txBody>
         </p:sp>
       </p:grpSp>
@@ -8250,7 +8450,9 @@
           <p:txBody>
             <a:bodyPr wrap="square" lIns="0" tIns="0" rIns="0" bIns="0" rtlCol="0"/>
             <a:lstStyle/>
-            <a:p/>
+            <a:p>
+              <a:endParaRPr/>
+            </a:p>
           </p:txBody>
         </p:sp>
         <p:sp>
@@ -8300,7 +8502,9 @@
           <p:txBody>
             <a:bodyPr wrap="square" lIns="0" tIns="0" rIns="0" bIns="0" rtlCol="0"/>
             <a:lstStyle/>
-            <a:p/>
+            <a:p>
+              <a:endParaRPr/>
+            </a:p>
           </p:txBody>
         </p:sp>
       </p:grpSp>
@@ -8409,7 +8613,9 @@
           <p:txBody>
             <a:bodyPr wrap="square" lIns="0" tIns="0" rIns="0" bIns="0" rtlCol="0"/>
             <a:lstStyle/>
-            <a:p/>
+            <a:p>
+              <a:endParaRPr/>
+            </a:p>
           </p:txBody>
         </p:sp>
         <p:sp>
@@ -8459,7 +8665,9 @@
           <p:txBody>
             <a:bodyPr wrap="square" lIns="0" tIns="0" rIns="0" bIns="0" rtlCol="0"/>
             <a:lstStyle/>
-            <a:p/>
+            <a:p>
+              <a:endParaRPr/>
+            </a:p>
           </p:txBody>
         </p:sp>
       </p:grpSp>
@@ -8563,7 +8771,9 @@
         <p:txBody>
           <a:bodyPr wrap="square" lIns="0" tIns="0" rIns="0" bIns="0" rtlCol="0"/>
           <a:lstStyle/>
-          <a:p/>
+          <a:p>
+            <a:endParaRPr/>
+          </a:p>
         </p:txBody>
       </p:sp>
       <p:sp>
@@ -8625,9 +8835,11 @@
         <p:spPr/>
         <p:txBody>
           <a:bodyPr/>
+          <a:lstStyle/>
           <a:p>
             <a:fld id="{B6F15528-21DE-4FAA-801E-634DDDAF4B2B}" type="slidenum">
               <a:rPr/>
+              <a:t>6</a:t>
             </a:fld>
             <a:endParaRPr/>
           </a:p>
@@ -8732,9 +8944,11 @@
         <p:spPr/>
         <p:txBody>
           <a:bodyPr/>
+          <a:lstStyle/>
           <a:p>
             <a:fld id="{B6F15528-21DE-4FAA-801E-634DDDAF4B2B}" type="slidenum">
               <a:rPr/>
+              <a:t>7</a:t>
             </a:fld>
             <a:endParaRPr/>
           </a:p>
@@ -8802,7 +9016,9 @@
         <p:txBody>
           <a:bodyPr wrap="square" lIns="0" tIns="0" rIns="0" bIns="0" rtlCol="0"/>
           <a:lstStyle/>
-          <a:p/>
+          <a:p>
+            <a:endParaRPr/>
+          </a:p>
         </p:txBody>
       </p:sp>
       <p:sp>
@@ -9468,9 +9684,11 @@
         <p:spPr/>
         <p:txBody>
           <a:bodyPr/>
+          <a:lstStyle/>
           <a:p>
             <a:fld id="{B6F15528-21DE-4FAA-801E-634DDDAF4B2B}" type="slidenum">
               <a:rPr/>
+              <a:t>8</a:t>
             </a:fld>
             <a:endParaRPr/>
           </a:p>
@@ -9538,7 +9756,9 @@
         <p:txBody>
           <a:bodyPr wrap="square" lIns="0" tIns="0" rIns="0" bIns="0" rtlCol="0"/>
           <a:lstStyle/>
-          <a:p/>
+          <a:p>
+            <a:endParaRPr/>
+          </a:p>
         </p:txBody>
       </p:sp>
       <p:sp>
@@ -9872,7 +10092,6 @@
               <a:rPr dirty="0"/>
               <a:t>defaults</a:t>
             </a:r>
-            <a:endParaRPr dirty="0"/>
           </a:p>
           <a:p>
             <a:pPr marL="6384290" marR="4876165">
@@ -9903,7 +10122,6 @@
               <a:rPr spc="-5" dirty="0"/>
               <a:t>complexity</a:t>
             </a:r>
-            <a:endParaRPr spc="-5" dirty="0"/>
           </a:p>
           <a:p>
             <a:pPr marL="6384290">
@@ -9970,7 +10188,6 @@
               <a:rPr spc="-40" dirty="0"/>
               <a:t>packages</a:t>
             </a:r>
-            <a:endParaRPr spc="-40" dirty="0"/>
           </a:p>
         </p:txBody>
       </p:sp>
@@ -9987,9 +10204,11 @@
         <p:spPr/>
         <p:txBody>
           <a:bodyPr/>
+          <a:lstStyle/>
           <a:p>
             <a:fld id="{B6F15528-21DE-4FAA-801E-634DDDAF4B2B}" type="slidenum">
               <a:rPr/>
+              <a:t>9</a:t>
             </a:fld>
             <a:endParaRPr/>
           </a:p>
@@ -10281,6 +10500,8 @@
       </a:bgFillStyleLst>
     </a:fmtScheme>
   </a:themeElements>
+  <a:objectDefaults/>
+  <a:extraClrSchemeLst/>
   <a:extLst>
     <a:ext uri="{05A4C25C-085E-4340-85A3-A5531E510DB2}">
       <thm15:themeFamily xmlns:thm15="http://schemas.microsoft.com/office/thememl/2012/main" name="Office Theme" id="{62F939B6-93AF-4DB8-9C6B-D6C7DFDC589F}" vid="{4A3C46E8-61CC-4603-A589-7422A47A8E4A}"/>
@@ -10540,6 +10761,8 @@
       </a:bgFillStyleLst>
     </a:fmtScheme>
   </a:themeElements>
+  <a:objectDefaults/>
+  <a:extraClrSchemeLst/>
   <a:extLst>
     <a:ext uri="{05A4C25C-085E-4340-85A3-A5531E510DB2}">
       <thm15:themeFamily xmlns:thm15="http://schemas.microsoft.com/office/thememl/2012/main" name="Office Theme" id="{62F939B6-93AF-4DB8-9C6B-D6C7DFDC589F}" vid="{4A3C46E8-61CC-4603-A589-7422A47A8E4A}"/>
